--- a/SurvivalCamp.pptx
+++ b/SurvivalCamp.pptx
@@ -6030,6 +6030,14 @@
 <file path=ppt/slides/slide7.xml><?xml version="1.0" encoding="utf-8"?>
 <p:sld xmlns:a="http://schemas.openxmlformats.org/drawingml/2006/main" xmlns:r="http://schemas.openxmlformats.org/officeDocument/2006/relationships" xmlns:p="http://schemas.openxmlformats.org/presentationml/2006/main" showMasterSp="0">
   <p:cSld>
+    <p:bg>
+      <p:bgPr>
+        <a:solidFill>
+          <a:schemeClr val="accent1"/>
+        </a:solidFill>
+        <a:effectLst/>
+      </p:bgPr>
+    </p:bg>
     <p:spTree>
       <p:nvGrpSpPr>
         <p:cNvPr id="1" name=""/>
@@ -6044,62 +6052,31 @@
           <a:chExt cx="0" cy="0"/>
         </a:xfrm>
       </p:grpSpPr>
-      <p:sp>
-        <p:nvSpPr>
-          <p:cNvPr id="3" name="Titre 2"/>
-          <p:cNvSpPr>
-            <a:spLocks noGrp="1"/>
-          </p:cNvSpPr>
-          <p:nvPr>
-            <p:ph type="title"/>
-          </p:nvPr>
-        </p:nvSpPr>
-        <p:spPr/>
-        <p:txBody>
-          <a:bodyPr/>
-          <a:lstStyle/>
-          <a:p>
-            <a:r>
-              <a:rPr lang="fr-FR" b="1" dirty="0" smtClean="0"/>
-              <a:t>Maquette</a:t>
-            </a:r>
-            <a:endParaRPr lang="fr-FR" dirty="0"/>
-          </a:p>
-        </p:txBody>
-      </p:sp>
       <p:pic>
         <p:nvPicPr>
-          <p:cNvPr id="4" name="Picture 2"/>
+          <p:cNvPr id="2050" name="Picture 2" descr="C:\Ash\Papers\CoursESGI\DevWeb\PHP\3A-Semaine-Thematique\docs\Maquette1.png"/>
           <p:cNvPicPr>
             <a:picLocks noChangeAspect="1" noChangeArrowheads="1"/>
           </p:cNvPicPr>
           <p:nvPr/>
         </p:nvPicPr>
         <p:blipFill>
-          <a:blip r:embed="rId2" cstate="print">
+          <a:blip r:embed="rId2">
             <a:extLst>
-              <a:ext uri="{BEBA8EAE-BF5A-486C-A8C5-ECC9F3942E4B}">
-                <a14:imgProps xmlns:a14="http://schemas.microsoft.com/office/drawing/2010/main">
-                  <a14:imgLayer r:embed="rId3">
-                    <a14:imgEffect>
-                      <a14:artisticPencilGrayscale/>
-                    </a14:imgEffect>
-                  </a14:imgLayer>
-                </a14:imgProps>
-              </a:ext>
               <a:ext uri="{28A0092B-C50C-407E-A947-70E740481C1C}">
                 <a14:useLocalDpi xmlns:a14="http://schemas.microsoft.com/office/drawing/2010/main" val="0"/>
               </a:ext>
             </a:extLst>
           </a:blip>
+          <a:srcRect/>
           <a:stretch>
             <a:fillRect/>
           </a:stretch>
         </p:blipFill>
         <p:spPr bwMode="auto">
           <a:xfrm>
-            <a:off x="8207085" y="6151681"/>
-            <a:ext cx="648072" cy="648072"/>
+            <a:off x="755576" y="-531440"/>
+            <a:ext cx="7620001" cy="7620000"/>
           </a:xfrm>
           <a:prstGeom prst="rect">
             <a:avLst/>
@@ -6116,40 +6093,6 @@
           </a:extLst>
         </p:spPr>
       </p:pic>
-      <p:sp>
-        <p:nvSpPr>
-          <p:cNvPr id="5" name="ZoneTexte 4"/>
-          <p:cNvSpPr txBox="1"/>
-          <p:nvPr/>
-        </p:nvSpPr>
-        <p:spPr>
-          <a:xfrm>
-            <a:off x="6804248" y="6340678"/>
-            <a:ext cx="1516762" cy="369332"/>
-          </a:xfrm>
-          <a:prstGeom prst="rect">
-            <a:avLst/>
-          </a:prstGeom>
-          <a:noFill/>
-        </p:spPr>
-        <p:txBody>
-          <a:bodyPr wrap="none" rtlCol="0">
-            <a:spAutoFit/>
-          </a:bodyPr>
-          <a:lstStyle/>
-          <a:p>
-            <a:r>
-              <a:rPr lang="fr-FR" i="1" dirty="0" err="1" smtClean="0"/>
-              <a:t>Survival</a:t>
-            </a:r>
-            <a:r>
-              <a:rPr lang="fr-FR" i="1" dirty="0" smtClean="0"/>
-              <a:t> Camp</a:t>
-            </a:r>
-            <a:endParaRPr lang="fr-FR" i="1" dirty="0"/>
-          </a:p>
-        </p:txBody>
-      </p:sp>
     </p:spTree>
     <p:extLst>
       <p:ext uri="{BB962C8B-B14F-4D97-AF65-F5344CB8AC3E}">
